--- a/python3-robotframework.pptx
+++ b/python3-robotframework.pptx
@@ -528,7 +528,7 @@
           <a:p>
             <a:fld id="{83284890-85D2-4D7B-8EF5-15A9C1DB8F42}" type="datetimeFigureOut">
               <a:rPr lang="en-US" dirty="0"/>
-              <a:t>8/16/2019</a:t>
+              <a:t>8/7/2020</a:t>
             </a:fld>
             <a:endParaRPr lang="en-US" dirty="0"/>
           </a:p>
@@ -703,7 +703,7 @@
           <a:p>
             <a:fld id="{87157CC2-0FC8-4686-B024-99790E0F5162}" type="datetimeFigureOut">
               <a:rPr lang="en-US" dirty="0"/>
-              <a:t>8/16/2019</a:t>
+              <a:t>8/7/2020</a:t>
             </a:fld>
             <a:endParaRPr lang="en-US" dirty="0"/>
           </a:p>
@@ -878,7 +878,7 @@
           <a:p>
             <a:fld id="{F6764DA5-CD3D-4590-A511-FCD3BC7A793E}" type="datetimeFigureOut">
               <a:rPr lang="en-US" dirty="0"/>
-              <a:t>8/16/2019</a:t>
+              <a:t>8/7/2020</a:t>
             </a:fld>
             <a:endParaRPr lang="en-US" dirty="0"/>
           </a:p>
@@ -1043,7 +1043,7 @@
           <a:p>
             <a:fld id="{82F5661D-6934-4B32-B92C-470368BF1EC6}" type="datetimeFigureOut">
               <a:rPr lang="en-US" dirty="0"/>
-              <a:t>8/16/2019</a:t>
+              <a:t>8/7/2020</a:t>
             </a:fld>
             <a:endParaRPr lang="en-US" dirty="0"/>
           </a:p>
@@ -1351,7 +1351,7 @@
           <a:p>
             <a:fld id="{C6F822A4-8DA6-4447-9B1F-C5DB58435268}" type="datetimeFigureOut">
               <a:rPr lang="en-US" dirty="0"/>
-              <a:t>8/16/2019</a:t>
+              <a:t>8/7/2020</a:t>
             </a:fld>
             <a:endParaRPr lang="en-US" dirty="0"/>
           </a:p>
@@ -1733,7 +1733,7 @@
           <a:p>
             <a:fld id="{E548D31E-DCDA-41A7-9C67-C4B11B94D21D}" type="datetimeFigureOut">
               <a:rPr lang="en-US" dirty="0"/>
-              <a:t>8/16/2019</a:t>
+              <a:t>8/7/2020</a:t>
             </a:fld>
             <a:endParaRPr lang="en-US" dirty="0"/>
           </a:p>
@@ -2162,7 +2162,7 @@
           <a:p>
             <a:fld id="{9B3762C0-B258-48F1-ADE6-176B4174CCDD}" type="datetimeFigureOut">
               <a:rPr lang="en-US" dirty="0"/>
-              <a:t>8/16/2019</a:t>
+              <a:t>8/7/2020</a:t>
             </a:fld>
             <a:endParaRPr lang="en-US" dirty="0"/>
           </a:p>
@@ -2275,7 +2275,7 @@
           <a:p>
             <a:fld id="{677919A6-33EB-49BD-A62F-1FA56B9F9712}" type="datetimeFigureOut">
               <a:rPr lang="en-US" dirty="0"/>
-              <a:t>8/16/2019</a:t>
+              <a:t>8/7/2020</a:t>
             </a:fld>
             <a:endParaRPr lang="en-US" dirty="0"/>
           </a:p>
@@ -2365,7 +2365,7 @@
           <a:p>
             <a:fld id="{CA4E7D1B-D673-4CF6-8672-009D42ABD2A0}" type="datetimeFigureOut">
               <a:rPr lang="en-US" dirty="0"/>
-              <a:t>8/16/2019</a:t>
+              <a:t>8/7/2020</a:t>
             </a:fld>
             <a:endParaRPr lang="en-US" dirty="0"/>
           </a:p>
@@ -2710,7 +2710,7 @@
           <a:p>
             <a:fld id="{DA16AA21-1863-4931-97CB-99D0A168701B}" type="datetimeFigureOut">
               <a:rPr lang="en-US" dirty="0"/>
-              <a:t>8/16/2019</a:t>
+              <a:t>8/7/2020</a:t>
             </a:fld>
             <a:endParaRPr lang="en-US" dirty="0"/>
           </a:p>
@@ -3130,7 +3130,7 @@
           <a:p>
             <a:fld id="{3772C379-9A7C-4C87-A116-CBE9F58B04C5}" type="datetimeFigureOut">
               <a:rPr lang="en-US" dirty="0"/>
-              <a:t>8/16/2019</a:t>
+              <a:t>8/7/2020</a:t>
             </a:fld>
             <a:endParaRPr lang="en-US" dirty="0"/>
           </a:p>
@@ -3406,7 +3406,7 @@
           <a:p>
             <a:fld id="{8664C608-40B1-4030-A28D-5B74BC98ADCE}" type="datetimeFigureOut">
               <a:rPr lang="en-US" dirty="0"/>
-              <a:t>8/16/2019</a:t>
+              <a:t>8/7/2020</a:t>
             </a:fld>
             <a:endParaRPr lang="en-US" dirty="0"/>
           </a:p>
@@ -4213,8 +4213,8 @@
           <a:lstStyle/>
           <a:p>
             <a:r>
-              <a:rPr lang="en-US" dirty="0"/>
-              <a:t>Single</a:t>
+              <a:rPr lang="en-US" dirty="0" smtClean="0"/>
+              <a:t>Single file</a:t>
             </a:r>
             <a:endParaRPr lang="en-GB" dirty="0"/>
           </a:p>
@@ -4491,8 +4491,8 @@
           </a:lstStyle>
           <a:p>
             <a:r>
-              <a:rPr lang="en-US" dirty="0"/>
-              <a:t>Multi</a:t>
+              <a:rPr lang="en-US" dirty="0" smtClean="0"/>
+              <a:t>Multi files</a:t>
             </a:r>
             <a:endParaRPr lang="en-GB" dirty="0"/>
           </a:p>
@@ -4500,34 +4500,22 @@
       </p:sp>
       <p:pic>
         <p:nvPicPr>
-          <p:cNvPr id="4" name="Picture 3"/>
+          <p:cNvPr id="6" name="Picture 5"/>
           <p:cNvPicPr>
             <a:picLocks noChangeAspect="1"/>
           </p:cNvPicPr>
           <p:nvPr/>
         </p:nvPicPr>
         <p:blipFill>
-          <a:blip r:embed="rId2">
-            <a:extLst>
-              <a:ext uri="{BEBA8EAE-BF5A-486C-A8C5-ECC9F3942E4B}">
-                <a14:imgProps xmlns:a14="http://schemas.microsoft.com/office/drawing/2010/main">
-                  <a14:imgLayer r:embed="rId3">
-                    <a14:imgEffect>
-                      <a14:brightnessContrast contrast="40000"/>
-                    </a14:imgEffect>
-                  </a14:imgLayer>
-                </a14:imgProps>
-              </a:ext>
-            </a:extLst>
-          </a:blip>
+          <a:blip r:embed="rId2"/>
           <a:stretch>
             <a:fillRect/>
           </a:stretch>
         </p:blipFill>
         <p:spPr>
           <a:xfrm>
-            <a:off x="838200" y="1174115"/>
-            <a:ext cx="7013236" cy="2074821"/>
+            <a:off x="838200" y="4314332"/>
+            <a:ext cx="7183124" cy="1388199"/>
           </a:xfrm>
           <a:prstGeom prst="rect">
             <a:avLst/>
@@ -4536,34 +4524,22 @@
       </p:pic>
       <p:pic>
         <p:nvPicPr>
-          <p:cNvPr id="7" name="Picture 6"/>
+          <p:cNvPr id="8" name="Picture 7"/>
           <p:cNvPicPr>
             <a:picLocks noChangeAspect="1"/>
           </p:cNvPicPr>
           <p:nvPr/>
         </p:nvPicPr>
         <p:blipFill>
-          <a:blip r:embed="rId4">
-            <a:extLst>
-              <a:ext uri="{BEBA8EAE-BF5A-486C-A8C5-ECC9F3942E4B}">
-                <a14:imgProps xmlns:a14="http://schemas.microsoft.com/office/drawing/2010/main">
-                  <a14:imgLayer r:embed="rId5">
-                    <a14:imgEffect>
-                      <a14:brightnessContrast contrast="40000"/>
-                    </a14:imgEffect>
-                  </a14:imgLayer>
-                </a14:imgProps>
-              </a:ext>
-            </a:extLst>
-          </a:blip>
+          <a:blip r:embed="rId3"/>
           <a:stretch>
             <a:fillRect/>
           </a:stretch>
         </p:blipFill>
         <p:spPr>
           <a:xfrm>
-            <a:off x="838200" y="4381144"/>
-            <a:ext cx="6957171" cy="1304761"/>
+            <a:off x="2016975" y="1092122"/>
+            <a:ext cx="3693869" cy="2573257"/>
           </a:xfrm>
           <a:prstGeom prst="rect">
             <a:avLst/>
@@ -5311,34 +5287,22 @@
       </p:sp>
       <p:pic>
         <p:nvPicPr>
-          <p:cNvPr id="7" name="Picture 6"/>
+          <p:cNvPr id="4" name="Picture 3"/>
           <p:cNvPicPr>
             <a:picLocks noChangeAspect="1"/>
           </p:cNvPicPr>
           <p:nvPr/>
         </p:nvPicPr>
         <p:blipFill>
-          <a:blip r:embed="rId2">
-            <a:extLst>
-              <a:ext uri="{BEBA8EAE-BF5A-486C-A8C5-ECC9F3942E4B}">
-                <a14:imgProps xmlns:a14="http://schemas.microsoft.com/office/drawing/2010/main">
-                  <a14:imgLayer r:embed="rId3">
-                    <a14:imgEffect>
-                      <a14:brightnessContrast contrast="40000"/>
-                    </a14:imgEffect>
-                  </a14:imgLayer>
-                </a14:imgProps>
-              </a:ext>
-            </a:extLst>
-          </a:blip>
+          <a:blip r:embed="rId2"/>
           <a:stretch>
             <a:fillRect/>
           </a:stretch>
         </p:blipFill>
         <p:spPr>
           <a:xfrm>
-            <a:off x="838200" y="1233182"/>
-            <a:ext cx="3200000" cy="752381"/>
+            <a:off x="988194" y="1233182"/>
+            <a:ext cx="3066667" cy="780952"/>
           </a:xfrm>
           <a:prstGeom prst="rect">
             <a:avLst/>
@@ -5347,34 +5311,22 @@
       </p:pic>
       <p:pic>
         <p:nvPicPr>
-          <p:cNvPr id="8" name="Picture 7"/>
+          <p:cNvPr id="10" name="Picture 9"/>
           <p:cNvPicPr>
             <a:picLocks noChangeAspect="1"/>
           </p:cNvPicPr>
           <p:nvPr/>
         </p:nvPicPr>
         <p:blipFill>
-          <a:blip r:embed="rId4">
-            <a:extLst>
-              <a:ext uri="{BEBA8EAE-BF5A-486C-A8C5-ECC9F3942E4B}">
-                <a14:imgProps xmlns:a14="http://schemas.microsoft.com/office/drawing/2010/main">
-                  <a14:imgLayer r:embed="rId5">
-                    <a14:imgEffect>
-                      <a14:brightnessContrast contrast="40000"/>
-                    </a14:imgEffect>
-                  </a14:imgLayer>
-                </a14:imgProps>
-              </a:ext>
-            </a:extLst>
-          </a:blip>
+          <a:blip r:embed="rId3"/>
           <a:stretch>
             <a:fillRect/>
           </a:stretch>
         </p:blipFill>
         <p:spPr>
           <a:xfrm>
-            <a:off x="838200" y="2899040"/>
-            <a:ext cx="4419048" cy="752381"/>
+            <a:off x="988194" y="2970541"/>
+            <a:ext cx="4447619" cy="838095"/>
           </a:xfrm>
           <a:prstGeom prst="rect">
             <a:avLst/>
@@ -5383,34 +5335,22 @@
       </p:pic>
       <p:pic>
         <p:nvPicPr>
-          <p:cNvPr id="9" name="Picture 8"/>
+          <p:cNvPr id="11" name="Picture 10"/>
           <p:cNvPicPr>
             <a:picLocks noChangeAspect="1"/>
           </p:cNvPicPr>
           <p:nvPr/>
         </p:nvPicPr>
         <p:blipFill>
-          <a:blip r:embed="rId6">
-            <a:extLst>
-              <a:ext uri="{BEBA8EAE-BF5A-486C-A8C5-ECC9F3942E4B}">
-                <a14:imgProps xmlns:a14="http://schemas.microsoft.com/office/drawing/2010/main">
-                  <a14:imgLayer r:embed="rId7">
-                    <a14:imgEffect>
-                      <a14:brightnessContrast contrast="40000"/>
-                    </a14:imgEffect>
-                  </a14:imgLayer>
-                </a14:imgProps>
-              </a:ext>
-            </a:extLst>
-          </a:blip>
+          <a:blip r:embed="rId4"/>
           <a:stretch>
             <a:fillRect/>
           </a:stretch>
         </p:blipFill>
         <p:spPr>
           <a:xfrm>
-            <a:off x="838200" y="4797710"/>
-            <a:ext cx="3885714" cy="733333"/>
+            <a:off x="988194" y="4816307"/>
+            <a:ext cx="3657143" cy="885714"/>
           </a:xfrm>
           <a:prstGeom prst="rect">
             <a:avLst/>
@@ -6076,8 +6016,9 @@
             </a:r>
             <a:r>
               <a:rPr lang="en-US" dirty="0" smtClean="0"/>
-              <a:t>2.7.9</a:t>
-            </a:r>
+              <a:t>2.7.18</a:t>
+            </a:r>
+            <a:endParaRPr lang="en-US" dirty="0" smtClean="0"/>
           </a:p>
           <a:p>
             <a:r>
@@ -6090,8 +6031,9 @@
             </a:r>
             <a:r>
               <a:rPr lang="en-US" dirty="0" smtClean="0"/>
-              <a:t>3.7.4</a:t>
-            </a:r>
+              <a:t>3.7.8</a:t>
+            </a:r>
+            <a:endParaRPr lang="en-US" dirty="0" smtClean="0"/>
           </a:p>
         </p:txBody>
       </p:sp>
